--- a/fnd/Arrangements/TempArtifacts/Ratings Process Introduction.pptx
+++ b/fnd/Arrangements/TempArtifacts/Ratings Process Introduction.pptx
@@ -5,10 +5,10 @@
     <p:sldMasterId id="2147483648" r:id="rId1"/>
   </p:sldMasterIdLst>
   <p:notesMasterIdLst>
-    <p:notesMasterId r:id="rId20"/>
+    <p:notesMasterId r:id="rId21"/>
   </p:notesMasterIdLst>
   <p:handoutMasterIdLst>
-    <p:handoutMasterId r:id="rId21"/>
+    <p:handoutMasterId r:id="rId22"/>
   </p:handoutMasterIdLst>
   <p:sldIdLst>
     <p:sldId id="261" r:id="rId2"/>
@@ -19,16 +19,17 @@
     <p:sldId id="469" r:id="rId7"/>
     <p:sldId id="277" r:id="rId8"/>
     <p:sldId id="470" r:id="rId9"/>
-    <p:sldId id="471" r:id="rId10"/>
-    <p:sldId id="472" r:id="rId11"/>
-    <p:sldId id="480" r:id="rId12"/>
-    <p:sldId id="474" r:id="rId13"/>
-    <p:sldId id="473" r:id="rId14"/>
-    <p:sldId id="481" r:id="rId15"/>
-    <p:sldId id="477" r:id="rId16"/>
-    <p:sldId id="478" r:id="rId17"/>
-    <p:sldId id="475" r:id="rId18"/>
-    <p:sldId id="479" r:id="rId19"/>
+    <p:sldId id="482" r:id="rId10"/>
+    <p:sldId id="471" r:id="rId11"/>
+    <p:sldId id="472" r:id="rId12"/>
+    <p:sldId id="480" r:id="rId13"/>
+    <p:sldId id="474" r:id="rId14"/>
+    <p:sldId id="473" r:id="rId15"/>
+    <p:sldId id="481" r:id="rId16"/>
+    <p:sldId id="477" r:id="rId17"/>
+    <p:sldId id="478" r:id="rId18"/>
+    <p:sldId id="475" r:id="rId19"/>
+    <p:sldId id="479" r:id="rId20"/>
   </p:sldIdLst>
   <p:sldSz cx="12192000" cy="6858000"/>
   <p:notesSz cx="6858000" cy="9144000"/>
@@ -231,7 +232,7 @@
           <a:p>
             <a:fld id="{59041DB8-B66F-4DC8-A96E-33677E0F90FF}" type="datetimeFigureOut">
               <a:rPr lang="en-US" smtClean="0"/>
-              <a:t>2/2/2019</a:t>
+              <a:t>2/6/2019</a:t>
             </a:fld>
             <a:endParaRPr lang="en-US"/>
           </a:p>
@@ -396,7 +397,7 @@
           <a:p>
             <a:fld id="{DEB49C4A-65AC-492D-9701-81B46C3AD0E4}" type="datetimeFigureOut">
               <a:rPr lang="en-US" smtClean="0"/>
-              <a:t>2/2/2019</a:t>
+              <a:t>2/6/2019</a:t>
             </a:fld>
             <a:endParaRPr lang="en-US"/>
           </a:p>
@@ -2888,7 +2889,7 @@
           <a:p>
             <a:fld id="{384A29A4-78C8-47AB-BA06-22CB45938951}" type="datetime1">
               <a:rPr lang="en-US" smtClean="0"/>
-              <a:t>2/2/2019</a:t>
+              <a:t>2/6/2019</a:t>
             </a:fld>
             <a:endParaRPr lang="en-US"/>
           </a:p>
@@ -3083,7 +3084,7 @@
           <a:p>
             <a:fld id="{E1ED4ACF-2D82-46F2-A8E9-23963AA34E86}" type="datetime1">
               <a:rPr lang="en-US" smtClean="0"/>
-              <a:t>2/2/2019</a:t>
+              <a:t>2/6/2019</a:t>
             </a:fld>
             <a:endParaRPr lang="en-US"/>
           </a:p>
@@ -3544,7 +3545,7 @@
           <a:p>
             <a:fld id="{AE374B5B-21A0-4192-BF4C-38187F1A68D8}" type="datetime1">
               <a:rPr lang="en-US" smtClean="0"/>
-              <a:t>2/2/2019</a:t>
+              <a:t>2/6/2019</a:t>
             </a:fld>
             <a:endParaRPr lang="en-US"/>
           </a:p>
@@ -5890,7 +5891,7 @@
           <a:p>
             <a:fld id="{33B5CF7C-B333-48E1-A4A6-83A3C8B73AC0}" type="datetime1">
               <a:rPr lang="en-US" smtClean="0"/>
-              <a:t>2/2/2019</a:t>
+              <a:t>2/6/2019</a:t>
             </a:fld>
             <a:endParaRPr lang="en-US"/>
           </a:p>
@@ -6348,7 +6349,7 @@
           <a:p>
             <a:fld id="{AE320762-5CBF-4210-AB54-376B091119F8}" type="datetime1">
               <a:rPr lang="en-US" smtClean="0"/>
-              <a:t>2/2/2019</a:t>
+              <a:t>2/6/2019</a:t>
             </a:fld>
             <a:endParaRPr lang="en-US"/>
           </a:p>
@@ -6485,7 +6486,7 @@
           <a:p>
             <a:fld id="{7F0DB371-BF5F-4058-A212-1A908E4D2674}" type="datetime1">
               <a:rPr lang="en-US" smtClean="0"/>
-              <a:t>2/2/2019</a:t>
+              <a:t>2/6/2019</a:t>
             </a:fld>
             <a:endParaRPr lang="en-US"/>
           </a:p>
@@ -8418,7 +8419,7 @@
           <a:p>
             <a:fld id="{60A4083B-90AA-48CF-BAD5-00AA24D7F288}" type="datetime1">
               <a:rPr lang="en-US" smtClean="0"/>
-              <a:t>2/2/2019</a:t>
+              <a:t>2/6/2019</a:t>
             </a:fld>
             <a:endParaRPr lang="en-US"/>
           </a:p>
@@ -10677,7 +10678,7 @@
             <a:fld id="{F5BAF629-ECA2-4CF3-B790-9D9BDED98269}" type="datetime1">
               <a:rPr lang="en-US" smtClean="0"/>
               <a:pPr/>
-              <a:t>2/2/2019</a:t>
+              <a:t>2/6/2019</a:t>
             </a:fld>
             <a:endParaRPr lang="en-US"/>
           </a:p>
@@ -14972,7 +14973,7 @@
             <a:fld id="{B51B2453-8663-4C69-AF73-9FD7B1DEC5D0}" type="datetime1">
               <a:rPr lang="en-US" smtClean="0"/>
               <a:pPr/>
-              <a:t>2/2/2019</a:t>
+              <a:t>2/6/2019</a:t>
             </a:fld>
             <a:endParaRPr lang="en-US" dirty="0"/>
           </a:p>
@@ -15467,7 +15468,15 @@
           <a:p>
             <a:r>
               <a:rPr lang="en-US" dirty="0"/>
-              <a:t>Initial Stakeholder Meeting – February 2019</a:t>
+              <a:t>Initial Stakeholder Meeting – February 6</a:t>
+            </a:r>
+            <a:r>
+              <a:rPr lang="en-US" baseline="30000" dirty="0"/>
+              <a:t>th</a:t>
+            </a:r>
+            <a:r>
+              <a:rPr lang="en-US" dirty="0"/>
+              <a:t> 2019</a:t>
             </a:r>
           </a:p>
         </p:txBody>
@@ -15579,6 +15588,247 @@
           <p:cNvPr id="2" name="Title 1">
             <a:extLst>
               <a:ext uri="{FF2B5EF4-FFF2-40B4-BE49-F238E27FC236}">
+                <a16:creationId xmlns:a16="http://schemas.microsoft.com/office/drawing/2014/main" id="{DDF48EBF-06D7-4E25-8ED0-AF8B7A994331}"/>
+              </a:ext>
+            </a:extLst>
+          </p:cNvPr>
+          <p:cNvSpPr>
+            <a:spLocks noGrp="1"/>
+          </p:cNvSpPr>
+          <p:nvPr>
+            <p:ph type="title"/>
+          </p:nvPr>
+        </p:nvSpPr>
+        <p:spPr/>
+        <p:txBody>
+          <a:bodyPr/>
+          <a:lstStyle/>
+          <a:p>
+            <a:r>
+              <a:rPr lang="en-US" dirty="0"/>
+              <a:t>Essential Concepts – Ontology Diagram*</a:t>
+            </a:r>
+          </a:p>
+        </p:txBody>
+      </p:sp>
+      <p:pic>
+        <p:nvPicPr>
+          <p:cNvPr id="3" name="Picture 2">
+            <a:extLst>
+              <a:ext uri="{FF2B5EF4-FFF2-40B4-BE49-F238E27FC236}">
+                <a16:creationId xmlns:a16="http://schemas.microsoft.com/office/drawing/2014/main" id="{682BFAA4-92C7-4BDE-B446-36C7E3603CAB}"/>
+              </a:ext>
+            </a:extLst>
+          </p:cNvPr>
+          <p:cNvPicPr>
+            <a:picLocks noChangeAspect="1"/>
+          </p:cNvPicPr>
+          <p:nvPr/>
+        </p:nvPicPr>
+        <p:blipFill>
+          <a:blip r:embed="rId2"/>
+          <a:stretch>
+            <a:fillRect/>
+          </a:stretch>
+        </p:blipFill>
+        <p:spPr>
+          <a:xfrm>
+            <a:off x="730321" y="1492505"/>
+            <a:ext cx="10361904" cy="4076190"/>
+          </a:xfrm>
+          <a:prstGeom prst="rect">
+            <a:avLst/>
+          </a:prstGeom>
+        </p:spPr>
+      </p:pic>
+      <p:sp>
+        <p:nvSpPr>
+          <p:cNvPr id="4" name="TextBox 3">
+            <a:extLst>
+              <a:ext uri="{FF2B5EF4-FFF2-40B4-BE49-F238E27FC236}">
+                <a16:creationId xmlns:a16="http://schemas.microsoft.com/office/drawing/2014/main" id="{79576A71-4484-425F-831E-9C252BE1D1FC}"/>
+              </a:ext>
+            </a:extLst>
+          </p:cNvPr>
+          <p:cNvSpPr txBox="1"/>
+          <p:nvPr/>
+        </p:nvSpPr>
+        <p:spPr>
+          <a:xfrm>
+            <a:off x="7232073" y="5781963"/>
+            <a:ext cx="4484946" cy="369332"/>
+          </a:xfrm>
+          <a:prstGeom prst="rect">
+            <a:avLst/>
+          </a:prstGeom>
+          <a:noFill/>
+        </p:spPr>
+        <p:txBody>
+          <a:bodyPr wrap="none" rtlCol="0">
+            <a:spAutoFit/>
+          </a:bodyPr>
+          <a:lstStyle/>
+          <a:p>
+            <a:r>
+              <a:rPr lang="en-US" dirty="0"/>
+              <a:t>* UML Semantic Concept Modeling Profile</a:t>
+            </a:r>
+          </a:p>
+        </p:txBody>
+      </p:sp>
+      <p:sp>
+        <p:nvSpPr>
+          <p:cNvPr id="5" name="Speech Bubble: Rectangle with Corners Rounded 4">
+            <a:extLst>
+              <a:ext uri="{FF2B5EF4-FFF2-40B4-BE49-F238E27FC236}">
+                <a16:creationId xmlns:a16="http://schemas.microsoft.com/office/drawing/2014/main" id="{D4B89768-562A-4B66-B4A6-2D1432C9FC5D}"/>
+              </a:ext>
+            </a:extLst>
+          </p:cNvPr>
+          <p:cNvSpPr/>
+          <p:nvPr/>
+        </p:nvSpPr>
+        <p:spPr>
+          <a:xfrm>
+            <a:off x="1699491" y="5765969"/>
+            <a:ext cx="1874982" cy="637371"/>
+          </a:xfrm>
+          <a:prstGeom prst="wedgeRoundRectCallout">
+            <a:avLst>
+              <a:gd name="adj1" fmla="val 81313"/>
+              <a:gd name="adj2" fmla="val -117884"/>
+              <a:gd name="adj3" fmla="val 16667"/>
+            </a:avLst>
+          </a:prstGeom>
+        </p:spPr>
+        <p:style>
+          <a:lnRef idx="2">
+            <a:schemeClr val="accent1">
+              <a:shade val="50000"/>
+            </a:schemeClr>
+          </a:lnRef>
+          <a:fillRef idx="1">
+            <a:schemeClr val="accent1"/>
+          </a:fillRef>
+          <a:effectRef idx="0">
+            <a:schemeClr val="accent1"/>
+          </a:effectRef>
+          <a:fontRef idx="minor">
+            <a:schemeClr val="lt1"/>
+          </a:fontRef>
+        </p:style>
+        <p:txBody>
+          <a:bodyPr rtlCol="0" anchor="ctr"/>
+          <a:lstStyle/>
+          <a:p>
+            <a:pPr algn="ctr"/>
+            <a:r>
+              <a:rPr lang="en-US" sz="1600" dirty="0"/>
+              <a:t>Reuse of general FIBO concepts</a:t>
+            </a:r>
+          </a:p>
+        </p:txBody>
+      </p:sp>
+      <p:sp>
+        <p:nvSpPr>
+          <p:cNvPr id="7" name="Speech Bubble: Rectangle with Corners Rounded 6">
+            <a:extLst>
+              <a:ext uri="{FF2B5EF4-FFF2-40B4-BE49-F238E27FC236}">
+                <a16:creationId xmlns:a16="http://schemas.microsoft.com/office/drawing/2014/main" id="{7D1A1810-CA15-48A9-8A0F-1A5A9774353F}"/>
+              </a:ext>
+            </a:extLst>
+          </p:cNvPr>
+          <p:cNvSpPr/>
+          <p:nvPr/>
+        </p:nvSpPr>
+        <p:spPr>
+          <a:xfrm>
+            <a:off x="4779819" y="5765969"/>
+            <a:ext cx="1874982" cy="637371"/>
+          </a:xfrm>
+          <a:prstGeom prst="wedgeRoundRectCallout">
+            <a:avLst>
+              <a:gd name="adj1" fmla="val 54219"/>
+              <a:gd name="adj2" fmla="val -116435"/>
+              <a:gd name="adj3" fmla="val 16667"/>
+            </a:avLst>
+          </a:prstGeom>
+        </p:spPr>
+        <p:style>
+          <a:lnRef idx="2">
+            <a:schemeClr val="accent1">
+              <a:shade val="50000"/>
+            </a:schemeClr>
+          </a:lnRef>
+          <a:fillRef idx="1">
+            <a:schemeClr val="accent1"/>
+          </a:fillRef>
+          <a:effectRef idx="0">
+            <a:schemeClr val="accent1"/>
+          </a:effectRef>
+          <a:fontRef idx="minor">
+            <a:schemeClr val="lt1"/>
+          </a:fontRef>
+        </p:style>
+        <p:txBody>
+          <a:bodyPr rtlCol="0" anchor="ctr"/>
+          <a:lstStyle/>
+          <a:p>
+            <a:pPr algn="ctr"/>
+            <a:r>
+              <a:rPr lang="en-US" sz="1600" dirty="0"/>
+              <a:t>Reuse of general FIBO concepts</a:t>
+            </a:r>
+          </a:p>
+        </p:txBody>
+      </p:sp>
+    </p:spTree>
+    <p:extLst>
+      <p:ext uri="{BB962C8B-B14F-4D97-AF65-F5344CB8AC3E}">
+        <p14:creationId xmlns:p14="http://schemas.microsoft.com/office/powerpoint/2010/main" val="2008940124"/>
+      </p:ext>
+    </p:extLst>
+  </p:cSld>
+  <p:clrMapOvr>
+    <a:masterClrMapping/>
+  </p:clrMapOvr>
+  <mc:AlternateContent xmlns:mc="http://schemas.openxmlformats.org/markup-compatibility/2006" xmlns:p14="http://schemas.microsoft.com/office/powerpoint/2010/main">
+    <mc:Choice Requires="p14">
+      <p:transition spd="med" p14:dur="700">
+        <p:fade/>
+      </p:transition>
+    </mc:Choice>
+    <mc:Fallback xmlns="">
+      <p:transition spd="med">
+        <p:fade/>
+      </p:transition>
+    </mc:Fallback>
+  </mc:AlternateContent>
+</p:sld>
+</file>
+
+<file path=ppt/slides/slide11.xml><?xml version="1.0" encoding="utf-8"?>
+<p:sld xmlns:a="http://schemas.openxmlformats.org/drawingml/2006/main" xmlns:r="http://schemas.openxmlformats.org/officeDocument/2006/relationships" xmlns:p="http://schemas.openxmlformats.org/presentationml/2006/main">
+  <p:cSld>
+    <p:spTree>
+      <p:nvGrpSpPr>
+        <p:cNvPr id="1" name=""/>
+        <p:cNvGrpSpPr/>
+        <p:nvPr/>
+      </p:nvGrpSpPr>
+      <p:grpSpPr>
+        <a:xfrm>
+          <a:off x="0" y="0"/>
+          <a:ext cx="0" cy="0"/>
+          <a:chOff x="0" y="0"/>
+          <a:chExt cx="0" cy="0"/>
+        </a:xfrm>
+      </p:grpSpPr>
+      <p:sp>
+        <p:nvSpPr>
+          <p:cNvPr id="2" name="Title 1">
+            <a:extLst>
+              <a:ext uri="{FF2B5EF4-FFF2-40B4-BE49-F238E27FC236}">
                 <a16:creationId xmlns:a16="http://schemas.microsoft.com/office/drawing/2014/main" id="{59848566-DFCA-48A7-9658-DA029300892E}"/>
               </a:ext>
             </a:extLst>
@@ -15657,7 +15907,7 @@
 </p:sld>
 </file>
 
-<file path=ppt/slides/slide11.xml><?xml version="1.0" encoding="utf-8"?>
+<file path=ppt/slides/slide12.xml><?xml version="1.0" encoding="utf-8"?>
 <p:sld xmlns:a="http://schemas.openxmlformats.org/drawingml/2006/main" xmlns:r="http://schemas.openxmlformats.org/officeDocument/2006/relationships" xmlns:p="http://schemas.openxmlformats.org/presentationml/2006/main">
   <p:cSld>
     <p:spTree>
@@ -15918,7 +16168,7 @@
 </p:sld>
 </file>
 
-<file path=ppt/slides/slide12.xml><?xml version="1.0" encoding="utf-8"?>
+<file path=ppt/slides/slide13.xml><?xml version="1.0" encoding="utf-8"?>
 <p:sld xmlns:a="http://schemas.openxmlformats.org/drawingml/2006/main" xmlns:r="http://schemas.openxmlformats.org/officeDocument/2006/relationships" xmlns:p="http://schemas.openxmlformats.org/presentationml/2006/main">
   <p:cSld>
     <p:spTree>
@@ -16018,7 +16268,7 @@
 </p:sld>
 </file>
 
-<file path=ppt/slides/slide13.xml><?xml version="1.0" encoding="utf-8"?>
+<file path=ppt/slides/slide14.xml><?xml version="1.0" encoding="utf-8"?>
 <p:sld xmlns:a="http://schemas.openxmlformats.org/drawingml/2006/main" xmlns:r="http://schemas.openxmlformats.org/officeDocument/2006/relationships" xmlns:p="http://schemas.openxmlformats.org/presentationml/2006/main">
   <p:cSld>
     <p:spTree>
@@ -16118,7 +16368,7 @@
 </p:sld>
 </file>
 
-<file path=ppt/slides/slide14.xml><?xml version="1.0" encoding="utf-8"?>
+<file path=ppt/slides/slide15.xml><?xml version="1.0" encoding="utf-8"?>
 <p:sld xmlns:a="http://schemas.openxmlformats.org/drawingml/2006/main" xmlns:r="http://schemas.openxmlformats.org/officeDocument/2006/relationships" xmlns:p="http://schemas.openxmlformats.org/presentationml/2006/main">
   <p:cSld>
     <p:spTree>
@@ -17510,7 +17760,7 @@
 </p:sld>
 </file>
 
-<file path=ppt/slides/slide15.xml><?xml version="1.0" encoding="utf-8"?>
+<file path=ppt/slides/slide16.xml><?xml version="1.0" encoding="utf-8"?>
 <p:sld xmlns:a="http://schemas.openxmlformats.org/drawingml/2006/main" xmlns:r="http://schemas.openxmlformats.org/officeDocument/2006/relationships" xmlns:p="http://schemas.openxmlformats.org/presentationml/2006/main">
   <p:cSld>
     <p:spTree>
@@ -19008,7 +19258,7 @@
 </p:sld>
 </file>
 
-<file path=ppt/slides/slide16.xml><?xml version="1.0" encoding="utf-8"?>
+<file path=ppt/slides/slide17.xml><?xml version="1.0" encoding="utf-8"?>
 <p:sld xmlns:a="http://schemas.openxmlformats.org/drawingml/2006/main" xmlns:r="http://schemas.openxmlformats.org/officeDocument/2006/relationships" xmlns:p="http://schemas.openxmlformats.org/presentationml/2006/main">
   <p:cSld>
     <p:spTree>
@@ -19025,6 +19275,36 @@
           <a:chExt cx="0" cy="0"/>
         </a:xfrm>
       </p:grpSpPr>
+      <p:pic>
+        <p:nvPicPr>
+          <p:cNvPr id="20" name="Picture 19">
+            <a:extLst>
+              <a:ext uri="{FF2B5EF4-FFF2-40B4-BE49-F238E27FC236}">
+                <a16:creationId xmlns:a16="http://schemas.microsoft.com/office/drawing/2014/main" id="{E560940E-DA82-4812-9A23-4BDE213AD881}"/>
+              </a:ext>
+            </a:extLst>
+          </p:cNvPr>
+          <p:cNvPicPr>
+            <a:picLocks noChangeAspect="1"/>
+          </p:cNvPicPr>
+          <p:nvPr/>
+        </p:nvPicPr>
+        <p:blipFill>
+          <a:blip r:embed="rId2"/>
+          <a:stretch>
+            <a:fillRect/>
+          </a:stretch>
+        </p:blipFill>
+        <p:spPr>
+          <a:xfrm>
+            <a:off x="1137834" y="1190874"/>
+            <a:ext cx="10132468" cy="3681572"/>
+          </a:xfrm>
+          <a:prstGeom prst="rect">
+            <a:avLst/>
+          </a:prstGeom>
+        </p:spPr>
+      </p:pic>
       <p:sp>
         <p:nvSpPr>
           <p:cNvPr id="2" name="Title 1">
@@ -19107,36 +19387,41 @@
           </a:p>
         </p:txBody>
       </p:sp>
-      <p:pic>
-        <p:nvPicPr>
-          <p:cNvPr id="6" name="Picture 5">
+      <p:sp>
+        <p:nvSpPr>
+          <p:cNvPr id="16" name="TextBox 15">
             <a:extLst>
               <a:ext uri="{FF2B5EF4-FFF2-40B4-BE49-F238E27FC236}">
-                <a16:creationId xmlns:a16="http://schemas.microsoft.com/office/drawing/2014/main" id="{B10E21FC-9ED1-4E81-9C60-3B86E8906175}"/>
+                <a16:creationId xmlns:a16="http://schemas.microsoft.com/office/drawing/2014/main" id="{CAAAADDA-ACF3-4B77-B857-0277A556E0A4}"/>
               </a:ext>
             </a:extLst>
           </p:cNvPr>
-          <p:cNvPicPr>
-            <a:picLocks noChangeAspect="1"/>
-          </p:cNvPicPr>
+          <p:cNvSpPr txBox="1"/>
           <p:nvPr/>
-        </p:nvPicPr>
-        <p:blipFill>
-          <a:blip r:embed="rId2"/>
-          <a:stretch>
-            <a:fillRect/>
-          </a:stretch>
-        </p:blipFill>
+        </p:nvSpPr>
         <p:spPr>
           <a:xfrm>
-            <a:off x="2324570" y="1327646"/>
-            <a:ext cx="7542857" cy="3619047"/>
+            <a:off x="7920445" y="4224854"/>
+            <a:ext cx="3480440" cy="369332"/>
           </a:xfrm>
           <a:prstGeom prst="rect">
             <a:avLst/>
           </a:prstGeom>
+          <a:noFill/>
         </p:spPr>
-      </p:pic>
+        <p:txBody>
+          <a:bodyPr wrap="none" rtlCol="0">
+            <a:spAutoFit/>
+          </a:bodyPr>
+          <a:lstStyle/>
+          <a:p>
+            <a:r>
+              <a:rPr lang="en-US" dirty="0"/>
+              <a:t>Classifications can be combined</a:t>
+            </a:r>
+          </a:p>
+        </p:txBody>
+      </p:sp>
     </p:spTree>
     <p:extLst>
       <p:ext uri="{BB962C8B-B14F-4D97-AF65-F5344CB8AC3E}">
@@ -19162,7 +19447,7 @@
 </p:sld>
 </file>
 
-<file path=ppt/slides/slide17.xml><?xml version="1.0" encoding="utf-8"?>
+<file path=ppt/slides/slide18.xml><?xml version="1.0" encoding="utf-8"?>
 <p:sld xmlns:a="http://schemas.openxmlformats.org/drawingml/2006/main" xmlns:r="http://schemas.openxmlformats.org/officeDocument/2006/relationships" xmlns:p="http://schemas.openxmlformats.org/presentationml/2006/main">
   <p:cSld>
     <p:spTree>
@@ -19230,13 +19515,17 @@
           <a:p>
             <a:r>
               <a:rPr lang="en-US" dirty="0"/>
-              <a:t>Join mailing list: &lt;&lt;NEED MAIL LIST&gt;&gt;</a:t>
+              <a:t>Join mailing list and wiki: Contact Mike Atkin: </a:t>
             </a:r>
-          </a:p>
-          <a:p>
+            <a:r>
+              <a:rPr lang="en-US" dirty="0">
+                <a:hlinkClick r:id="rId2"/>
+              </a:rPr>
+              <a:t>atkin@edmcouncil.org</a:t>
+            </a:r>
             <a:r>
               <a:rPr lang="en-US" dirty="0"/>
-              <a:t>Wiki page for review artifacts: &lt;&lt;NEED WIKI PAGE&gt;&gt;</a:t>
+              <a:t> </a:t>
             </a:r>
           </a:p>
           <a:p>
@@ -19253,7 +19542,7 @@
             </a:r>
             <a:r>
               <a:rPr lang="en-US" dirty="0">
-                <a:hlinkClick r:id="rId2"/>
+                <a:hlinkClick r:id="rId3"/>
               </a:rPr>
               <a:t>cory-c@modeldriven.com</a:t>
             </a:r>
@@ -19278,7 +19567,7 @@
             </a:r>
             <a:r>
               <a:rPr lang="en-US" dirty="0">
-                <a:hlinkClick r:id="rId3"/>
+                <a:hlinkClick r:id="rId2"/>
               </a:rPr>
               <a:t>atkin@edmcouncil.org</a:t>
             </a:r>
@@ -19290,29 +19579,12 @@
           <a:p>
             <a:pPr lvl="1"/>
             <a:r>
-              <a:rPr lang="fi-FI" dirty="0"/>
-              <a:t>Elisa Kendall: </a:t>
-            </a:r>
-            <a:r>
-              <a:rPr lang="fi-FI" dirty="0">
-                <a:hlinkClick r:id="rId4"/>
-              </a:rPr>
-              <a:t>ekendall@thematix.com</a:t>
-            </a:r>
-            <a:r>
-              <a:rPr lang="fi-FI" dirty="0"/>
-              <a:t> (Contributing FIBO Ontologist)</a:t>
-            </a:r>
-          </a:p>
-          <a:p>
-            <a:pPr lvl="1"/>
-            <a:r>
               <a:rPr lang="en-US" dirty="0"/>
               <a:t>Rodney Kagarise: </a:t>
             </a:r>
             <a:r>
               <a:rPr lang="en-US" dirty="0">
-                <a:hlinkClick r:id="rId5"/>
+                <a:hlinkClick r:id="rId4"/>
               </a:rPr>
               <a:t>rodney_b_kagarise@fanniemae.com</a:t>
             </a:r>
@@ -19360,7 +19632,7 @@
 </p:sld>
 </file>
 
-<file path=ppt/slides/slide18.xml><?xml version="1.0" encoding="utf-8"?>
+<file path=ppt/slides/slide19.xml><?xml version="1.0" encoding="utf-8"?>
 <p:sld xmlns:a="http://schemas.openxmlformats.org/drawingml/2006/main" xmlns:r="http://schemas.openxmlformats.org/officeDocument/2006/relationships" xmlns:p="http://schemas.openxmlformats.org/presentationml/2006/main">
   <p:cSld>
     <p:spTree>
@@ -24339,7 +24611,7 @@
           <p:cNvPr id="2" name="Title 1">
             <a:extLst>
               <a:ext uri="{FF2B5EF4-FFF2-40B4-BE49-F238E27FC236}">
-                <a16:creationId xmlns:a16="http://schemas.microsoft.com/office/drawing/2014/main" id="{DDF48EBF-06D7-4E25-8ED0-AF8B7A994331}"/>
+                <a16:creationId xmlns:a16="http://schemas.microsoft.com/office/drawing/2014/main" id="{2B91406D-FC47-4220-B2D5-3893845B7B78}"/>
               </a:ext>
             </a:extLst>
           </p:cNvPr>
@@ -24357,8 +24629,13 @@
           <a:p>
             <a:r>
               <a:rPr lang="en-US" dirty="0"/>
-              <a:t>Essential Concepts – Ontology Diagram*</a:t>
+              <a:t>Example of scales </a:t>
             </a:r>
+            <a:r>
+              <a:rPr lang="en-US"/>
+              <a:t>and scores </a:t>
+            </a:r>
+            <a:endParaRPr lang="en-US" dirty="0"/>
           </a:p>
         </p:txBody>
       </p:sp>
@@ -24367,7 +24644,7 @@
           <p:cNvPr id="3" name="Picture 2">
             <a:extLst>
               <a:ext uri="{FF2B5EF4-FFF2-40B4-BE49-F238E27FC236}">
-                <a16:creationId xmlns:a16="http://schemas.microsoft.com/office/drawing/2014/main" id="{682BFAA4-92C7-4BDE-B446-36C7E3603CAB}"/>
+                <a16:creationId xmlns:a16="http://schemas.microsoft.com/office/drawing/2014/main" id="{0F371F3E-CA6B-4EAA-ACF4-05E30B63BD48}"/>
               </a:ext>
             </a:extLst>
           </p:cNvPr>
@@ -24384,159 +24661,18 @@
         </p:blipFill>
         <p:spPr>
           <a:xfrm>
-            <a:off x="730321" y="1492505"/>
-            <a:ext cx="10361904" cy="4076190"/>
+            <a:off x="804082" y="1175657"/>
+            <a:ext cx="10218075" cy="6858000"/>
           </a:xfrm>
           <a:prstGeom prst="rect">
             <a:avLst/>
           </a:prstGeom>
         </p:spPr>
       </p:pic>
-      <p:sp>
-        <p:nvSpPr>
-          <p:cNvPr id="4" name="TextBox 3">
-            <a:extLst>
-              <a:ext uri="{FF2B5EF4-FFF2-40B4-BE49-F238E27FC236}">
-                <a16:creationId xmlns:a16="http://schemas.microsoft.com/office/drawing/2014/main" id="{79576A71-4484-425F-831E-9C252BE1D1FC}"/>
-              </a:ext>
-            </a:extLst>
-          </p:cNvPr>
-          <p:cNvSpPr txBox="1"/>
-          <p:nvPr/>
-        </p:nvSpPr>
-        <p:spPr>
-          <a:xfrm>
-            <a:off x="7232073" y="5781963"/>
-            <a:ext cx="4484946" cy="369332"/>
-          </a:xfrm>
-          <a:prstGeom prst="rect">
-            <a:avLst/>
-          </a:prstGeom>
-          <a:noFill/>
-        </p:spPr>
-        <p:txBody>
-          <a:bodyPr wrap="none" rtlCol="0">
-            <a:spAutoFit/>
-          </a:bodyPr>
-          <a:lstStyle/>
-          <a:p>
-            <a:r>
-              <a:rPr lang="en-US" dirty="0"/>
-              <a:t>* UML Semantic Concept Modeling Profile</a:t>
-            </a:r>
-          </a:p>
-        </p:txBody>
-      </p:sp>
-      <p:sp>
-        <p:nvSpPr>
-          <p:cNvPr id="5" name="Speech Bubble: Rectangle with Corners Rounded 4">
-            <a:extLst>
-              <a:ext uri="{FF2B5EF4-FFF2-40B4-BE49-F238E27FC236}">
-                <a16:creationId xmlns:a16="http://schemas.microsoft.com/office/drawing/2014/main" id="{D4B89768-562A-4B66-B4A6-2D1432C9FC5D}"/>
-              </a:ext>
-            </a:extLst>
-          </p:cNvPr>
-          <p:cNvSpPr/>
-          <p:nvPr/>
-        </p:nvSpPr>
-        <p:spPr>
-          <a:xfrm>
-            <a:off x="1699491" y="5765969"/>
-            <a:ext cx="1874982" cy="637371"/>
-          </a:xfrm>
-          <a:prstGeom prst="wedgeRoundRectCallout">
-            <a:avLst>
-              <a:gd name="adj1" fmla="val 81313"/>
-              <a:gd name="adj2" fmla="val -117884"/>
-              <a:gd name="adj3" fmla="val 16667"/>
-            </a:avLst>
-          </a:prstGeom>
-        </p:spPr>
-        <p:style>
-          <a:lnRef idx="2">
-            <a:schemeClr val="accent1">
-              <a:shade val="50000"/>
-            </a:schemeClr>
-          </a:lnRef>
-          <a:fillRef idx="1">
-            <a:schemeClr val="accent1"/>
-          </a:fillRef>
-          <a:effectRef idx="0">
-            <a:schemeClr val="accent1"/>
-          </a:effectRef>
-          <a:fontRef idx="minor">
-            <a:schemeClr val="lt1"/>
-          </a:fontRef>
-        </p:style>
-        <p:txBody>
-          <a:bodyPr rtlCol="0" anchor="ctr"/>
-          <a:lstStyle/>
-          <a:p>
-            <a:pPr algn="ctr"/>
-            <a:r>
-              <a:rPr lang="en-US" sz="1600" dirty="0"/>
-              <a:t>Reuse of general FIBO concepts</a:t>
-            </a:r>
-          </a:p>
-        </p:txBody>
-      </p:sp>
-      <p:sp>
-        <p:nvSpPr>
-          <p:cNvPr id="7" name="Speech Bubble: Rectangle with Corners Rounded 6">
-            <a:extLst>
-              <a:ext uri="{FF2B5EF4-FFF2-40B4-BE49-F238E27FC236}">
-                <a16:creationId xmlns:a16="http://schemas.microsoft.com/office/drawing/2014/main" id="{7D1A1810-CA15-48A9-8A0F-1A5A9774353F}"/>
-              </a:ext>
-            </a:extLst>
-          </p:cNvPr>
-          <p:cNvSpPr/>
-          <p:nvPr/>
-        </p:nvSpPr>
-        <p:spPr>
-          <a:xfrm>
-            <a:off x="4779819" y="5765969"/>
-            <a:ext cx="1874982" cy="637371"/>
-          </a:xfrm>
-          <a:prstGeom prst="wedgeRoundRectCallout">
-            <a:avLst>
-              <a:gd name="adj1" fmla="val 54219"/>
-              <a:gd name="adj2" fmla="val -116435"/>
-              <a:gd name="adj3" fmla="val 16667"/>
-            </a:avLst>
-          </a:prstGeom>
-        </p:spPr>
-        <p:style>
-          <a:lnRef idx="2">
-            <a:schemeClr val="accent1">
-              <a:shade val="50000"/>
-            </a:schemeClr>
-          </a:lnRef>
-          <a:fillRef idx="1">
-            <a:schemeClr val="accent1"/>
-          </a:fillRef>
-          <a:effectRef idx="0">
-            <a:schemeClr val="accent1"/>
-          </a:effectRef>
-          <a:fontRef idx="minor">
-            <a:schemeClr val="lt1"/>
-          </a:fontRef>
-        </p:style>
-        <p:txBody>
-          <a:bodyPr rtlCol="0" anchor="ctr"/>
-          <a:lstStyle/>
-          <a:p>
-            <a:pPr algn="ctr"/>
-            <a:r>
-              <a:rPr lang="en-US" sz="1600" dirty="0"/>
-              <a:t>Reuse of general FIBO concepts</a:t>
-            </a:r>
-          </a:p>
-        </p:txBody>
-      </p:sp>
     </p:spTree>
     <p:extLst>
       <p:ext uri="{BB962C8B-B14F-4D97-AF65-F5344CB8AC3E}">
-        <p14:creationId xmlns:p14="http://schemas.microsoft.com/office/powerpoint/2010/main" val="2008940124"/>
+        <p14:creationId xmlns:p14="http://schemas.microsoft.com/office/powerpoint/2010/main" val="4010785865"/>
       </p:ext>
     </p:extLst>
   </p:cSld>
